--- a/documents/presentation.pptx
+++ b/documents/presentation.pptx
@@ -16,8 +16,8 @@
     <p:sldId id="295" r:id="rId7"/>
     <p:sldId id="291" r:id="rId8"/>
     <p:sldId id="290" r:id="rId9"/>
-    <p:sldId id="292" r:id="rId10"/>
-    <p:sldId id="294" r:id="rId11"/>
+    <p:sldId id="296" r:id="rId10"/>
+    <p:sldId id="297" r:id="rId11"/>
     <p:sldId id="280" r:id="rId12"/>
   </p:sldIdLst>
   <p:sldSz cx="9144000" cy="5143500" type="screen16x9"/>
@@ -2419,7 +2419,7 @@
             </a:pPr>
             <a:fld id="{00000000-1234-1234-1234-123412341234}" type="slidenum">
               <a:rPr lang="en"/>
-              <a:t>‹N›</a:t>
+              <a:t>‹#›</a:t>
             </a:fld>
             <a:endParaRPr/>
           </a:p>
@@ -3112,7 +3112,7 @@
             </a:pPr>
             <a:fld id="{00000000-1234-1234-1234-123412341234}" type="slidenum">
               <a:rPr lang="en"/>
-              <a:t>‹N›</a:t>
+              <a:t>‹#›</a:t>
             </a:fld>
             <a:endParaRPr/>
           </a:p>
@@ -10616,6 +10616,400 @@
       </p:grpSpPr>
       <p:sp>
         <p:nvSpPr>
+          <p:cNvPr id="10" name="Shape 112"/>
+          <p:cNvSpPr txBox="1">
+            <a:spLocks/>
+          </p:cNvSpPr>
+          <p:nvPr/>
+        </p:nvSpPr>
+        <p:spPr>
+          <a:xfrm>
+            <a:off x="844424" y="828756"/>
+            <a:ext cx="7959468" cy="4106865"/>
+          </a:xfrm>
+          <a:prstGeom prst="rect">
+            <a:avLst/>
+          </a:prstGeom>
+          <a:noFill/>
+          <a:ln>
+            <a:noFill/>
+          </a:ln>
+        </p:spPr>
+        <p:txBody>
+          <a:bodyPr spcFirstLastPara="1" wrap="square" lIns="91425" tIns="91425" rIns="91425" bIns="91425" anchor="t" anchorCtr="0">
+            <a:noAutofit/>
+          </a:bodyPr>
+          <a:lstStyle>
+            <a:defPPr marR="0" lvl="0" algn="l" rtl="0">
+              <a:lnSpc>
+                <a:spcPct val="100000"/>
+              </a:lnSpc>
+              <a:spcBef>
+                <a:spcPts val="0"/>
+              </a:spcBef>
+              <a:spcAft>
+                <a:spcPts val="0"/>
+              </a:spcAft>
+            </a:defPPr>
+            <a:lvl1pPr marL="457200" marR="0" lvl="0" indent="-381000" algn="l" rtl="0">
+              <a:lnSpc>
+                <a:spcPct val="100000"/>
+              </a:lnSpc>
+              <a:spcBef>
+                <a:spcPts val="600"/>
+              </a:spcBef>
+              <a:spcAft>
+                <a:spcPts val="0"/>
+              </a:spcAft>
+              <a:buClr>
+                <a:srgbClr val="0DB7C4"/>
+              </a:buClr>
+              <a:buSzPts val="2400"/>
+              <a:buFont typeface="Source Sans Pro"/>
+              <a:buChar char="▹"/>
+              <a:defRPr sz="2400" b="0" i="0" u="none" strike="noStrike" cap="none">
+                <a:solidFill>
+                  <a:srgbClr val="415665"/>
+                </a:solidFill>
+                <a:latin typeface="Source Sans Pro"/>
+                <a:ea typeface="Source Sans Pro"/>
+                <a:cs typeface="Source Sans Pro"/>
+                <a:sym typeface="Source Sans Pro"/>
+              </a:defRPr>
+            </a:lvl1pPr>
+            <a:lvl2pPr marL="914400" marR="0" lvl="1" indent="-381000" algn="l" rtl="0">
+              <a:lnSpc>
+                <a:spcPct val="100000"/>
+              </a:lnSpc>
+              <a:spcBef>
+                <a:spcPts val="0"/>
+              </a:spcBef>
+              <a:spcAft>
+                <a:spcPts val="0"/>
+              </a:spcAft>
+              <a:buClr>
+                <a:srgbClr val="0DB7C4"/>
+              </a:buClr>
+              <a:buSzPts val="2400"/>
+              <a:buFont typeface="Source Sans Pro"/>
+              <a:buChar char="▸"/>
+              <a:defRPr sz="2400" b="0" i="0" u="none" strike="noStrike" cap="none">
+                <a:solidFill>
+                  <a:srgbClr val="415665"/>
+                </a:solidFill>
+                <a:latin typeface="Source Sans Pro"/>
+                <a:ea typeface="Source Sans Pro"/>
+                <a:cs typeface="Source Sans Pro"/>
+                <a:sym typeface="Source Sans Pro"/>
+              </a:defRPr>
+            </a:lvl2pPr>
+            <a:lvl3pPr marL="1371600" marR="0" lvl="2" indent="-381000" algn="l" rtl="0">
+              <a:lnSpc>
+                <a:spcPct val="100000"/>
+              </a:lnSpc>
+              <a:spcBef>
+                <a:spcPts val="0"/>
+              </a:spcBef>
+              <a:spcAft>
+                <a:spcPts val="0"/>
+              </a:spcAft>
+              <a:buClr>
+                <a:srgbClr val="0DB7C4"/>
+              </a:buClr>
+              <a:buSzPts val="2400"/>
+              <a:buFont typeface="Source Sans Pro"/>
+              <a:buChar char="⬩"/>
+              <a:defRPr sz="2400" b="0" i="0" u="none" strike="noStrike" cap="none">
+                <a:solidFill>
+                  <a:srgbClr val="415665"/>
+                </a:solidFill>
+                <a:latin typeface="Source Sans Pro"/>
+                <a:ea typeface="Source Sans Pro"/>
+                <a:cs typeface="Source Sans Pro"/>
+                <a:sym typeface="Source Sans Pro"/>
+              </a:defRPr>
+            </a:lvl3pPr>
+            <a:lvl4pPr marL="1828800" marR="0" lvl="3" indent="-381000" algn="l" rtl="0">
+              <a:lnSpc>
+                <a:spcPct val="100000"/>
+              </a:lnSpc>
+              <a:spcBef>
+                <a:spcPts val="0"/>
+              </a:spcBef>
+              <a:spcAft>
+                <a:spcPts val="0"/>
+              </a:spcAft>
+              <a:buClr>
+                <a:srgbClr val="0DB7C4"/>
+              </a:buClr>
+              <a:buSzPts val="2400"/>
+              <a:buFont typeface="Source Sans Pro"/>
+              <a:buChar char="⬞"/>
+              <a:defRPr sz="2400" b="0" i="0" u="none" strike="noStrike" cap="none">
+                <a:solidFill>
+                  <a:srgbClr val="415665"/>
+                </a:solidFill>
+                <a:latin typeface="Source Sans Pro"/>
+                <a:ea typeface="Source Sans Pro"/>
+                <a:cs typeface="Source Sans Pro"/>
+                <a:sym typeface="Source Sans Pro"/>
+              </a:defRPr>
+            </a:lvl4pPr>
+            <a:lvl5pPr marL="2286000" marR="0" lvl="4" indent="-381000" algn="l" rtl="0">
+              <a:lnSpc>
+                <a:spcPct val="100000"/>
+              </a:lnSpc>
+              <a:spcBef>
+                <a:spcPts val="0"/>
+              </a:spcBef>
+              <a:spcAft>
+                <a:spcPts val="0"/>
+              </a:spcAft>
+              <a:buClr>
+                <a:srgbClr val="0DB7C4"/>
+              </a:buClr>
+              <a:buSzPts val="2400"/>
+              <a:buFont typeface="Source Sans Pro"/>
+              <a:buChar char="○"/>
+              <a:defRPr sz="2400" b="0" i="0" u="none" strike="noStrike" cap="none">
+                <a:solidFill>
+                  <a:srgbClr val="415665"/>
+                </a:solidFill>
+                <a:latin typeface="Source Sans Pro"/>
+                <a:ea typeface="Source Sans Pro"/>
+                <a:cs typeface="Source Sans Pro"/>
+                <a:sym typeface="Source Sans Pro"/>
+              </a:defRPr>
+            </a:lvl5pPr>
+            <a:lvl6pPr marL="2743200" marR="0" lvl="5" indent="-381000" algn="l" rtl="0">
+              <a:lnSpc>
+                <a:spcPct val="100000"/>
+              </a:lnSpc>
+              <a:spcBef>
+                <a:spcPts val="0"/>
+              </a:spcBef>
+              <a:spcAft>
+                <a:spcPts val="0"/>
+              </a:spcAft>
+              <a:buClr>
+                <a:srgbClr val="0DB7C4"/>
+              </a:buClr>
+              <a:buSzPts val="2400"/>
+              <a:buFont typeface="Source Sans Pro"/>
+              <a:buChar char="■"/>
+              <a:defRPr sz="2400" b="0" i="0" u="none" strike="noStrike" cap="none">
+                <a:solidFill>
+                  <a:srgbClr val="415665"/>
+                </a:solidFill>
+                <a:latin typeface="Source Sans Pro"/>
+                <a:ea typeface="Source Sans Pro"/>
+                <a:cs typeface="Source Sans Pro"/>
+                <a:sym typeface="Source Sans Pro"/>
+              </a:defRPr>
+            </a:lvl6pPr>
+            <a:lvl7pPr marL="3200400" marR="0" lvl="6" indent="-381000" algn="l" rtl="0">
+              <a:lnSpc>
+                <a:spcPct val="100000"/>
+              </a:lnSpc>
+              <a:spcBef>
+                <a:spcPts val="0"/>
+              </a:spcBef>
+              <a:spcAft>
+                <a:spcPts val="0"/>
+              </a:spcAft>
+              <a:buClr>
+                <a:srgbClr val="0DB7C4"/>
+              </a:buClr>
+              <a:buSzPts val="2400"/>
+              <a:buFont typeface="Source Sans Pro"/>
+              <a:buChar char="●"/>
+              <a:defRPr sz="2400" b="0" i="0" u="none" strike="noStrike" cap="none">
+                <a:solidFill>
+                  <a:srgbClr val="415665"/>
+                </a:solidFill>
+                <a:latin typeface="Source Sans Pro"/>
+                <a:ea typeface="Source Sans Pro"/>
+                <a:cs typeface="Source Sans Pro"/>
+                <a:sym typeface="Source Sans Pro"/>
+              </a:defRPr>
+            </a:lvl7pPr>
+            <a:lvl8pPr marL="3657600" marR="0" lvl="7" indent="-381000" algn="l" rtl="0">
+              <a:lnSpc>
+                <a:spcPct val="100000"/>
+              </a:lnSpc>
+              <a:spcBef>
+                <a:spcPts val="0"/>
+              </a:spcBef>
+              <a:spcAft>
+                <a:spcPts val="0"/>
+              </a:spcAft>
+              <a:buClr>
+                <a:srgbClr val="0DB7C4"/>
+              </a:buClr>
+              <a:buSzPts val="2400"/>
+              <a:buFont typeface="Source Sans Pro"/>
+              <a:buChar char="○"/>
+              <a:defRPr sz="2400" b="0" i="0" u="none" strike="noStrike" cap="none">
+                <a:solidFill>
+                  <a:srgbClr val="415665"/>
+                </a:solidFill>
+                <a:latin typeface="Source Sans Pro"/>
+                <a:ea typeface="Source Sans Pro"/>
+                <a:cs typeface="Source Sans Pro"/>
+                <a:sym typeface="Source Sans Pro"/>
+              </a:defRPr>
+            </a:lvl8pPr>
+            <a:lvl9pPr marL="4114800" marR="0" lvl="8" indent="-381000" algn="l" rtl="0">
+              <a:lnSpc>
+                <a:spcPct val="100000"/>
+              </a:lnSpc>
+              <a:spcBef>
+                <a:spcPts val="0"/>
+              </a:spcBef>
+              <a:spcAft>
+                <a:spcPts val="0"/>
+              </a:spcAft>
+              <a:buClr>
+                <a:srgbClr val="0DB7C4"/>
+              </a:buClr>
+              <a:buSzPts val="2400"/>
+              <a:buFont typeface="Source Sans Pro"/>
+              <a:buChar char="■"/>
+              <a:defRPr sz="2400" b="0" i="0" u="none" strike="noStrike" cap="none">
+                <a:solidFill>
+                  <a:srgbClr val="415665"/>
+                </a:solidFill>
+                <a:latin typeface="Source Sans Pro"/>
+                <a:ea typeface="Source Sans Pro"/>
+                <a:cs typeface="Source Sans Pro"/>
+                <a:sym typeface="Source Sans Pro"/>
+              </a:defRPr>
+            </a:lvl9pPr>
+          </a:lstStyle>
+          <a:p>
+            <a:pPr marL="76200" indent="0">
+              <a:spcBef>
+                <a:spcPts val="0"/>
+              </a:spcBef>
+              <a:buFont typeface="Source Sans Pro"/>
+              <a:buNone/>
+            </a:pPr>
+            <a:endParaRPr lang="en-US" sz="1800" dirty="0" smtClean="0"/>
+          </a:p>
+          <a:p>
+            <a:pPr>
+              <a:spcBef>
+                <a:spcPts val="0"/>
+              </a:spcBef>
+            </a:pPr>
+            <a:r>
+              <a:rPr lang="en-US" sz="1800" dirty="0" smtClean="0"/>
+              <a:t>A technician can look for raised warnings</a:t>
+            </a:r>
+            <a:endParaRPr lang="en-US" sz="1800" dirty="0" smtClean="0"/>
+          </a:p>
+          <a:p>
+            <a:pPr>
+              <a:spcBef>
+                <a:spcPts val="0"/>
+              </a:spcBef>
+            </a:pPr>
+            <a:endParaRPr lang="en-US" sz="1800" dirty="0"/>
+          </a:p>
+          <a:p>
+            <a:pPr>
+              <a:spcBef>
+                <a:spcPts val="0"/>
+              </a:spcBef>
+            </a:pPr>
+            <a:endParaRPr lang="en-US" sz="1800" dirty="0" smtClean="0"/>
+          </a:p>
+          <a:p>
+            <a:pPr>
+              <a:spcBef>
+                <a:spcPts val="0"/>
+              </a:spcBef>
+            </a:pPr>
+            <a:r>
+              <a:rPr lang="en-US" sz="1800" dirty="0" smtClean="0"/>
+              <a:t>Creation of a new Patient’s </a:t>
+            </a:r>
+            <a:r>
+              <a:rPr lang="en-US" sz="1800" dirty="0" smtClean="0"/>
+              <a:t>account</a:t>
+            </a:r>
+          </a:p>
+          <a:p>
+            <a:pPr>
+              <a:spcBef>
+                <a:spcPts val="0"/>
+              </a:spcBef>
+            </a:pPr>
+            <a:endParaRPr lang="en-US" sz="1800" dirty="0"/>
+          </a:p>
+          <a:p>
+            <a:pPr>
+              <a:spcBef>
+                <a:spcPts val="0"/>
+              </a:spcBef>
+            </a:pPr>
+            <a:endParaRPr lang="en-US" sz="1800" dirty="0" smtClean="0"/>
+          </a:p>
+          <a:p>
+            <a:pPr>
+              <a:spcBef>
+                <a:spcPts val="0"/>
+              </a:spcBef>
+            </a:pPr>
+            <a:endParaRPr lang="en-US" sz="1800" dirty="0"/>
+          </a:p>
+          <a:p>
+            <a:pPr>
+              <a:spcBef>
+                <a:spcPts val="0"/>
+              </a:spcBef>
+            </a:pPr>
+            <a:r>
+              <a:rPr lang="en-US" sz="1800" dirty="0" smtClean="0"/>
+              <a:t>Consistency setting</a:t>
+            </a:r>
+            <a:endParaRPr lang="en-US" sz="1800" dirty="0" smtClean="0"/>
+          </a:p>
+          <a:p>
+            <a:pPr>
+              <a:spcBef>
+                <a:spcPts val="0"/>
+              </a:spcBef>
+            </a:pPr>
+            <a:endParaRPr lang="en-US" sz="1800" dirty="0"/>
+          </a:p>
+          <a:p>
+            <a:pPr>
+              <a:spcBef>
+                <a:spcPts val="0"/>
+              </a:spcBef>
+            </a:pPr>
+            <a:endParaRPr lang="en-US" sz="1800" dirty="0" smtClean="0"/>
+          </a:p>
+          <a:p>
+            <a:pPr>
+              <a:spcBef>
+                <a:spcPts val="0"/>
+              </a:spcBef>
+            </a:pPr>
+            <a:endParaRPr lang="en-US" sz="1800" dirty="0" smtClean="0"/>
+          </a:p>
+          <a:p>
+            <a:pPr marL="0" indent="0">
+              <a:buFont typeface="Source Sans Pro"/>
+              <a:buNone/>
+            </a:pPr>
+            <a:endParaRPr lang="en-US" sz="1800" dirty="0"/>
+          </a:p>
+        </p:txBody>
+      </p:sp>
+      <p:sp>
+        <p:nvSpPr>
           <p:cNvPr id="2" name="Title 1"/>
           <p:cNvSpPr>
             <a:spLocks noGrp="1"/>
@@ -10674,378 +11068,9 @@
           </a:p>
         </p:txBody>
       </p:sp>
-      <p:sp>
-        <p:nvSpPr>
-          <p:cNvPr id="10" name="Shape 112"/>
-          <p:cNvSpPr txBox="1">
-            <a:spLocks/>
-          </p:cNvSpPr>
-          <p:nvPr/>
-        </p:nvSpPr>
-        <p:spPr>
-          <a:xfrm>
-            <a:off x="844424" y="1223437"/>
-            <a:ext cx="7959468" cy="3585955"/>
-          </a:xfrm>
-          <a:prstGeom prst="rect">
-            <a:avLst/>
-          </a:prstGeom>
-          <a:noFill/>
-          <a:ln>
-            <a:noFill/>
-          </a:ln>
-        </p:spPr>
-        <p:txBody>
-          <a:bodyPr spcFirstLastPara="1" wrap="square" lIns="91425" tIns="91425" rIns="91425" bIns="91425" anchor="t" anchorCtr="0">
-            <a:noAutofit/>
-          </a:bodyPr>
-          <a:lstStyle>
-            <a:defPPr marR="0" lvl="0" algn="l" rtl="0">
-              <a:lnSpc>
-                <a:spcPct val="100000"/>
-              </a:lnSpc>
-              <a:spcBef>
-                <a:spcPts val="0"/>
-              </a:spcBef>
-              <a:spcAft>
-                <a:spcPts val="0"/>
-              </a:spcAft>
-            </a:defPPr>
-            <a:lvl1pPr marL="457200" marR="0" lvl="0" indent="-381000" algn="l" rtl="0">
-              <a:lnSpc>
-                <a:spcPct val="100000"/>
-              </a:lnSpc>
-              <a:spcBef>
-                <a:spcPts val="600"/>
-              </a:spcBef>
-              <a:spcAft>
-                <a:spcPts val="0"/>
-              </a:spcAft>
-              <a:buClr>
-                <a:srgbClr val="0DB7C4"/>
-              </a:buClr>
-              <a:buSzPts val="2400"/>
-              <a:buFont typeface="Source Sans Pro"/>
-              <a:buChar char="▹"/>
-              <a:defRPr sz="2400" b="0" i="0" u="none" strike="noStrike" cap="none">
-                <a:solidFill>
-                  <a:srgbClr val="415665"/>
-                </a:solidFill>
-                <a:latin typeface="Source Sans Pro"/>
-                <a:ea typeface="Source Sans Pro"/>
-                <a:cs typeface="Source Sans Pro"/>
-                <a:sym typeface="Source Sans Pro"/>
-              </a:defRPr>
-            </a:lvl1pPr>
-            <a:lvl2pPr marL="914400" marR="0" lvl="1" indent="-381000" algn="l" rtl="0">
-              <a:lnSpc>
-                <a:spcPct val="100000"/>
-              </a:lnSpc>
-              <a:spcBef>
-                <a:spcPts val="0"/>
-              </a:spcBef>
-              <a:spcAft>
-                <a:spcPts val="0"/>
-              </a:spcAft>
-              <a:buClr>
-                <a:srgbClr val="0DB7C4"/>
-              </a:buClr>
-              <a:buSzPts val="2400"/>
-              <a:buFont typeface="Source Sans Pro"/>
-              <a:buChar char="▸"/>
-              <a:defRPr sz="2400" b="0" i="0" u="none" strike="noStrike" cap="none">
-                <a:solidFill>
-                  <a:srgbClr val="415665"/>
-                </a:solidFill>
-                <a:latin typeface="Source Sans Pro"/>
-                <a:ea typeface="Source Sans Pro"/>
-                <a:cs typeface="Source Sans Pro"/>
-                <a:sym typeface="Source Sans Pro"/>
-              </a:defRPr>
-            </a:lvl2pPr>
-            <a:lvl3pPr marL="1371600" marR="0" lvl="2" indent="-381000" algn="l" rtl="0">
-              <a:lnSpc>
-                <a:spcPct val="100000"/>
-              </a:lnSpc>
-              <a:spcBef>
-                <a:spcPts val="0"/>
-              </a:spcBef>
-              <a:spcAft>
-                <a:spcPts val="0"/>
-              </a:spcAft>
-              <a:buClr>
-                <a:srgbClr val="0DB7C4"/>
-              </a:buClr>
-              <a:buSzPts val="2400"/>
-              <a:buFont typeface="Source Sans Pro"/>
-              <a:buChar char="⬩"/>
-              <a:defRPr sz="2400" b="0" i="0" u="none" strike="noStrike" cap="none">
-                <a:solidFill>
-                  <a:srgbClr val="415665"/>
-                </a:solidFill>
-                <a:latin typeface="Source Sans Pro"/>
-                <a:ea typeface="Source Sans Pro"/>
-                <a:cs typeface="Source Sans Pro"/>
-                <a:sym typeface="Source Sans Pro"/>
-              </a:defRPr>
-            </a:lvl3pPr>
-            <a:lvl4pPr marL="1828800" marR="0" lvl="3" indent="-381000" algn="l" rtl="0">
-              <a:lnSpc>
-                <a:spcPct val="100000"/>
-              </a:lnSpc>
-              <a:spcBef>
-                <a:spcPts val="0"/>
-              </a:spcBef>
-              <a:spcAft>
-                <a:spcPts val="0"/>
-              </a:spcAft>
-              <a:buClr>
-                <a:srgbClr val="0DB7C4"/>
-              </a:buClr>
-              <a:buSzPts val="2400"/>
-              <a:buFont typeface="Source Sans Pro"/>
-              <a:buChar char="⬞"/>
-              <a:defRPr sz="2400" b="0" i="0" u="none" strike="noStrike" cap="none">
-                <a:solidFill>
-                  <a:srgbClr val="415665"/>
-                </a:solidFill>
-                <a:latin typeface="Source Sans Pro"/>
-                <a:ea typeface="Source Sans Pro"/>
-                <a:cs typeface="Source Sans Pro"/>
-                <a:sym typeface="Source Sans Pro"/>
-              </a:defRPr>
-            </a:lvl4pPr>
-            <a:lvl5pPr marL="2286000" marR="0" lvl="4" indent="-381000" algn="l" rtl="0">
-              <a:lnSpc>
-                <a:spcPct val="100000"/>
-              </a:lnSpc>
-              <a:spcBef>
-                <a:spcPts val="0"/>
-              </a:spcBef>
-              <a:spcAft>
-                <a:spcPts val="0"/>
-              </a:spcAft>
-              <a:buClr>
-                <a:srgbClr val="0DB7C4"/>
-              </a:buClr>
-              <a:buSzPts val="2400"/>
-              <a:buFont typeface="Source Sans Pro"/>
-              <a:buChar char="○"/>
-              <a:defRPr sz="2400" b="0" i="0" u="none" strike="noStrike" cap="none">
-                <a:solidFill>
-                  <a:srgbClr val="415665"/>
-                </a:solidFill>
-                <a:latin typeface="Source Sans Pro"/>
-                <a:ea typeface="Source Sans Pro"/>
-                <a:cs typeface="Source Sans Pro"/>
-                <a:sym typeface="Source Sans Pro"/>
-              </a:defRPr>
-            </a:lvl5pPr>
-            <a:lvl6pPr marL="2743200" marR="0" lvl="5" indent="-381000" algn="l" rtl="0">
-              <a:lnSpc>
-                <a:spcPct val="100000"/>
-              </a:lnSpc>
-              <a:spcBef>
-                <a:spcPts val="0"/>
-              </a:spcBef>
-              <a:spcAft>
-                <a:spcPts val="0"/>
-              </a:spcAft>
-              <a:buClr>
-                <a:srgbClr val="0DB7C4"/>
-              </a:buClr>
-              <a:buSzPts val="2400"/>
-              <a:buFont typeface="Source Sans Pro"/>
-              <a:buChar char="■"/>
-              <a:defRPr sz="2400" b="0" i="0" u="none" strike="noStrike" cap="none">
-                <a:solidFill>
-                  <a:srgbClr val="415665"/>
-                </a:solidFill>
-                <a:latin typeface="Source Sans Pro"/>
-                <a:ea typeface="Source Sans Pro"/>
-                <a:cs typeface="Source Sans Pro"/>
-                <a:sym typeface="Source Sans Pro"/>
-              </a:defRPr>
-            </a:lvl6pPr>
-            <a:lvl7pPr marL="3200400" marR="0" lvl="6" indent="-381000" algn="l" rtl="0">
-              <a:lnSpc>
-                <a:spcPct val="100000"/>
-              </a:lnSpc>
-              <a:spcBef>
-                <a:spcPts val="0"/>
-              </a:spcBef>
-              <a:spcAft>
-                <a:spcPts val="0"/>
-              </a:spcAft>
-              <a:buClr>
-                <a:srgbClr val="0DB7C4"/>
-              </a:buClr>
-              <a:buSzPts val="2400"/>
-              <a:buFont typeface="Source Sans Pro"/>
-              <a:buChar char="●"/>
-              <a:defRPr sz="2400" b="0" i="0" u="none" strike="noStrike" cap="none">
-                <a:solidFill>
-                  <a:srgbClr val="415665"/>
-                </a:solidFill>
-                <a:latin typeface="Source Sans Pro"/>
-                <a:ea typeface="Source Sans Pro"/>
-                <a:cs typeface="Source Sans Pro"/>
-                <a:sym typeface="Source Sans Pro"/>
-              </a:defRPr>
-            </a:lvl7pPr>
-            <a:lvl8pPr marL="3657600" marR="0" lvl="7" indent="-381000" algn="l" rtl="0">
-              <a:lnSpc>
-                <a:spcPct val="100000"/>
-              </a:lnSpc>
-              <a:spcBef>
-                <a:spcPts val="0"/>
-              </a:spcBef>
-              <a:spcAft>
-                <a:spcPts val="0"/>
-              </a:spcAft>
-              <a:buClr>
-                <a:srgbClr val="0DB7C4"/>
-              </a:buClr>
-              <a:buSzPts val="2400"/>
-              <a:buFont typeface="Source Sans Pro"/>
-              <a:buChar char="○"/>
-              <a:defRPr sz="2400" b="0" i="0" u="none" strike="noStrike" cap="none">
-                <a:solidFill>
-                  <a:srgbClr val="415665"/>
-                </a:solidFill>
-                <a:latin typeface="Source Sans Pro"/>
-                <a:ea typeface="Source Sans Pro"/>
-                <a:cs typeface="Source Sans Pro"/>
-                <a:sym typeface="Source Sans Pro"/>
-              </a:defRPr>
-            </a:lvl8pPr>
-            <a:lvl9pPr marL="4114800" marR="0" lvl="8" indent="-381000" algn="l" rtl="0">
-              <a:lnSpc>
-                <a:spcPct val="100000"/>
-              </a:lnSpc>
-              <a:spcBef>
-                <a:spcPts val="0"/>
-              </a:spcBef>
-              <a:spcAft>
-                <a:spcPts val="0"/>
-              </a:spcAft>
-              <a:buClr>
-                <a:srgbClr val="0DB7C4"/>
-              </a:buClr>
-              <a:buSzPts val="2400"/>
-              <a:buFont typeface="Source Sans Pro"/>
-              <a:buChar char="■"/>
-              <a:defRPr sz="2400" b="0" i="0" u="none" strike="noStrike" cap="none">
-                <a:solidFill>
-                  <a:srgbClr val="415665"/>
-                </a:solidFill>
-                <a:latin typeface="Source Sans Pro"/>
-                <a:ea typeface="Source Sans Pro"/>
-                <a:cs typeface="Source Sans Pro"/>
-                <a:sym typeface="Source Sans Pro"/>
-              </a:defRPr>
-            </a:lvl9pPr>
-          </a:lstStyle>
-          <a:p>
-            <a:pPr marL="76200" indent="0">
-              <a:spcBef>
-                <a:spcPts val="0"/>
-              </a:spcBef>
-              <a:buFont typeface="Source Sans Pro"/>
-              <a:buNone/>
-            </a:pPr>
-            <a:endParaRPr lang="en-US" sz="1800" dirty="0" smtClean="0"/>
-          </a:p>
-          <a:p>
-            <a:pPr>
-              <a:spcBef>
-                <a:spcPts val="0"/>
-              </a:spcBef>
-            </a:pPr>
-            <a:r>
-              <a:rPr lang="en-US" sz="1800" dirty="0" smtClean="0"/>
-              <a:t>Warnings generation by ‘</a:t>
-            </a:r>
-            <a:r>
-              <a:rPr lang="en-US" sz="1800" dirty="0" err="1" smtClean="0"/>
-              <a:t>WarningDaemon</a:t>
-            </a:r>
-            <a:r>
-              <a:rPr lang="en-US" sz="1800" dirty="0" smtClean="0"/>
-              <a:t>’</a:t>
-            </a:r>
-          </a:p>
-          <a:p>
-            <a:pPr>
-              <a:spcBef>
-                <a:spcPts val="0"/>
-              </a:spcBef>
-            </a:pPr>
-            <a:endParaRPr lang="en-US" sz="1800" dirty="0"/>
-          </a:p>
-          <a:p>
-            <a:pPr>
-              <a:spcBef>
-                <a:spcPts val="0"/>
-              </a:spcBef>
-            </a:pPr>
-            <a:endParaRPr lang="en-US" sz="1800" dirty="0" smtClean="0"/>
-          </a:p>
-          <a:p>
-            <a:pPr>
-              <a:spcBef>
-                <a:spcPts val="0"/>
-              </a:spcBef>
-            </a:pPr>
-            <a:endParaRPr lang="en-US" sz="1800" dirty="0" smtClean="0"/>
-          </a:p>
-          <a:p>
-            <a:pPr>
-              <a:spcBef>
-                <a:spcPts val="0"/>
-              </a:spcBef>
-            </a:pPr>
-            <a:r>
-              <a:rPr lang="en-US" sz="1800" dirty="0" smtClean="0"/>
-              <a:t>Creation of a new Patient’s account</a:t>
-            </a:r>
-          </a:p>
-          <a:p>
-            <a:pPr>
-              <a:spcBef>
-                <a:spcPts val="0"/>
-              </a:spcBef>
-            </a:pPr>
-            <a:endParaRPr lang="en-US" sz="1800" dirty="0"/>
-          </a:p>
-          <a:p>
-            <a:pPr>
-              <a:spcBef>
-                <a:spcPts val="0"/>
-              </a:spcBef>
-            </a:pPr>
-            <a:endParaRPr lang="en-US" sz="1800" dirty="0" smtClean="0"/>
-          </a:p>
-          <a:p>
-            <a:pPr>
-              <a:spcBef>
-                <a:spcPts val="0"/>
-              </a:spcBef>
-            </a:pPr>
-            <a:endParaRPr lang="en-US" sz="1800" dirty="0" smtClean="0"/>
-          </a:p>
-          <a:p>
-            <a:pPr marL="0" indent="0">
-              <a:buFont typeface="Source Sans Pro"/>
-              <a:buNone/>
-            </a:pPr>
-            <a:endParaRPr lang="en-US" sz="1800" dirty="0"/>
-          </a:p>
-        </p:txBody>
-      </p:sp>
       <p:pic>
         <p:nvPicPr>
-          <p:cNvPr id="11" name="Picture 10"/>
+          <p:cNvPr id="13" name="Picture 12"/>
           <p:cNvPicPr>
             <a:picLocks noChangeAspect="1"/>
           </p:cNvPicPr>
@@ -11065,37 +11090,7 @@
         </p:blipFill>
         <p:spPr>
           <a:xfrm>
-            <a:off x="1231286" y="1898423"/>
-            <a:ext cx="7664679" cy="517769"/>
-          </a:xfrm>
-          <a:prstGeom prst="rect">
-            <a:avLst/>
-          </a:prstGeom>
-        </p:spPr>
-      </p:pic>
-      <p:pic>
-        <p:nvPicPr>
-          <p:cNvPr id="13" name="Picture 12"/>
-          <p:cNvPicPr>
-            <a:picLocks noChangeAspect="1"/>
-          </p:cNvPicPr>
-          <p:nvPr/>
-        </p:nvPicPr>
-        <p:blipFill>
-          <a:blip r:embed="rId3">
-            <a:extLst>
-              <a:ext uri="{28A0092B-C50C-407E-A947-70E740481C1C}">
-                <a14:useLocalDpi xmlns:a14="http://schemas.microsoft.com/office/drawing/2010/main" val="0"/>
-              </a:ext>
-            </a:extLst>
-          </a:blip>
-          <a:stretch>
-            <a:fillRect/>
-          </a:stretch>
-        </p:blipFill>
-        <p:spPr>
-          <a:xfrm>
-            <a:off x="1345223" y="3091178"/>
+            <a:off x="1345223" y="2373264"/>
             <a:ext cx="7550742" cy="508925"/>
           </a:xfrm>
           <a:prstGeom prst="rect">
@@ -11111,7 +11106,7 @@
         </p:nvSpPr>
         <p:spPr>
           <a:xfrm>
-            <a:off x="7875653" y="3160533"/>
+            <a:off x="7921690" y="2381456"/>
             <a:ext cx="974275" cy="587828"/>
           </a:xfrm>
           <a:prstGeom prst="ellipse">
@@ -11163,8 +11158,8 @@
         </p:nvCxnSpPr>
         <p:spPr>
           <a:xfrm flipV="1">
-            <a:off x="6923314" y="3677942"/>
-            <a:ext cx="1026367" cy="352882"/>
+            <a:off x="6880302" y="2890381"/>
+            <a:ext cx="1041388" cy="295540"/>
           </a:xfrm>
           <a:prstGeom prst="straightConnector1">
             <a:avLst/>
@@ -11199,7 +11194,7 @@
         </p:nvSpPr>
         <p:spPr>
           <a:xfrm>
-            <a:off x="5139559" y="3854383"/>
+            <a:off x="5361148" y="2884920"/>
             <a:ext cx="1737719" cy="602003"/>
           </a:xfrm>
           <a:prstGeom prst="rect">
@@ -11235,10 +11230,70 @@
           </a:p>
         </p:txBody>
       </p:sp>
+      <p:pic>
+        <p:nvPicPr>
+          <p:cNvPr id="3" name="Picture 2"/>
+          <p:cNvPicPr>
+            <a:picLocks noChangeAspect="1"/>
+          </p:cNvPicPr>
+          <p:nvPr/>
+        </p:nvPicPr>
+        <p:blipFill>
+          <a:blip r:embed="rId3">
+            <a:extLst>
+              <a:ext uri="{28A0092B-C50C-407E-A947-70E740481C1C}">
+                <a14:useLocalDpi xmlns:a14="http://schemas.microsoft.com/office/drawing/2010/main" val="0"/>
+              </a:ext>
+            </a:extLst>
+          </a:blip>
+          <a:stretch>
+            <a:fillRect/>
+          </a:stretch>
+        </p:blipFill>
+        <p:spPr>
+          <a:xfrm>
+            <a:off x="1345223" y="1489018"/>
+            <a:ext cx="7341109" cy="419100"/>
+          </a:xfrm>
+          <a:prstGeom prst="rect">
+            <a:avLst/>
+          </a:prstGeom>
+        </p:spPr>
+      </p:pic>
+      <p:pic>
+        <p:nvPicPr>
+          <p:cNvPr id="11" name="Picture 10"/>
+          <p:cNvPicPr>
+            <a:picLocks noChangeAspect="1"/>
+          </p:cNvPicPr>
+          <p:nvPr/>
+        </p:nvPicPr>
+        <p:blipFill>
+          <a:blip r:embed="rId4">
+            <a:extLst>
+              <a:ext uri="{28A0092B-C50C-407E-A947-70E740481C1C}">
+                <a14:useLocalDpi xmlns:a14="http://schemas.microsoft.com/office/drawing/2010/main" val="0"/>
+              </a:ext>
+            </a:extLst>
+          </a:blip>
+          <a:stretch>
+            <a:fillRect/>
+          </a:stretch>
+        </p:blipFill>
+        <p:spPr>
+          <a:xfrm>
+            <a:off x="1345223" y="3486923"/>
+            <a:ext cx="3225800" cy="825500"/>
+          </a:xfrm>
+          <a:prstGeom prst="rect">
+            <a:avLst/>
+          </a:prstGeom>
+        </p:spPr>
+      </p:pic>
     </p:spTree>
     <p:extLst>
       <p:ext uri="{BB962C8B-B14F-4D97-AF65-F5344CB8AC3E}">
-        <p14:creationId xmlns:p14="http://schemas.microsoft.com/office/powerpoint/2010/main" val="1001563434"/>
+        <p14:creationId xmlns:p14="http://schemas.microsoft.com/office/powerpoint/2010/main" val="2145192017"/>
       </p:ext>
     </p:extLst>
   </p:cSld>
@@ -13880,7 +13935,6 @@
               <a:rPr lang="en-US" sz="1800" dirty="0" smtClean="0"/>
               <a:t>)</a:t>
             </a:r>
-            <a:endParaRPr lang="en-US" sz="1800" dirty="0" smtClean="0"/>
           </a:p>
           <a:p>
             <a:pPr>
@@ -16059,6 +16113,400 @@
       </p:grpSpPr>
       <p:sp>
         <p:nvSpPr>
+          <p:cNvPr id="10" name="Shape 112"/>
+          <p:cNvSpPr txBox="1">
+            <a:spLocks/>
+          </p:cNvSpPr>
+          <p:nvPr/>
+        </p:nvSpPr>
+        <p:spPr>
+          <a:xfrm>
+            <a:off x="844424" y="828756"/>
+            <a:ext cx="7959468" cy="4106865"/>
+          </a:xfrm>
+          <a:prstGeom prst="rect">
+            <a:avLst/>
+          </a:prstGeom>
+          <a:noFill/>
+          <a:ln>
+            <a:noFill/>
+          </a:ln>
+        </p:spPr>
+        <p:txBody>
+          <a:bodyPr spcFirstLastPara="1" wrap="square" lIns="91425" tIns="91425" rIns="91425" bIns="91425" anchor="t" anchorCtr="0">
+            <a:noAutofit/>
+          </a:bodyPr>
+          <a:lstStyle>
+            <a:defPPr marR="0" lvl="0" algn="l" rtl="0">
+              <a:lnSpc>
+                <a:spcPct val="100000"/>
+              </a:lnSpc>
+              <a:spcBef>
+                <a:spcPts val="0"/>
+              </a:spcBef>
+              <a:spcAft>
+                <a:spcPts val="0"/>
+              </a:spcAft>
+            </a:defPPr>
+            <a:lvl1pPr marL="457200" marR="0" lvl="0" indent="-381000" algn="l" rtl="0">
+              <a:lnSpc>
+                <a:spcPct val="100000"/>
+              </a:lnSpc>
+              <a:spcBef>
+                <a:spcPts val="600"/>
+              </a:spcBef>
+              <a:spcAft>
+                <a:spcPts val="0"/>
+              </a:spcAft>
+              <a:buClr>
+                <a:srgbClr val="0DB7C4"/>
+              </a:buClr>
+              <a:buSzPts val="2400"/>
+              <a:buFont typeface="Source Sans Pro"/>
+              <a:buChar char="▹"/>
+              <a:defRPr sz="2400" b="0" i="0" u="none" strike="noStrike" cap="none">
+                <a:solidFill>
+                  <a:srgbClr val="415665"/>
+                </a:solidFill>
+                <a:latin typeface="Source Sans Pro"/>
+                <a:ea typeface="Source Sans Pro"/>
+                <a:cs typeface="Source Sans Pro"/>
+                <a:sym typeface="Source Sans Pro"/>
+              </a:defRPr>
+            </a:lvl1pPr>
+            <a:lvl2pPr marL="914400" marR="0" lvl="1" indent="-381000" algn="l" rtl="0">
+              <a:lnSpc>
+                <a:spcPct val="100000"/>
+              </a:lnSpc>
+              <a:spcBef>
+                <a:spcPts val="0"/>
+              </a:spcBef>
+              <a:spcAft>
+                <a:spcPts val="0"/>
+              </a:spcAft>
+              <a:buClr>
+                <a:srgbClr val="0DB7C4"/>
+              </a:buClr>
+              <a:buSzPts val="2400"/>
+              <a:buFont typeface="Source Sans Pro"/>
+              <a:buChar char="▸"/>
+              <a:defRPr sz="2400" b="0" i="0" u="none" strike="noStrike" cap="none">
+                <a:solidFill>
+                  <a:srgbClr val="415665"/>
+                </a:solidFill>
+                <a:latin typeface="Source Sans Pro"/>
+                <a:ea typeface="Source Sans Pro"/>
+                <a:cs typeface="Source Sans Pro"/>
+                <a:sym typeface="Source Sans Pro"/>
+              </a:defRPr>
+            </a:lvl2pPr>
+            <a:lvl3pPr marL="1371600" marR="0" lvl="2" indent="-381000" algn="l" rtl="0">
+              <a:lnSpc>
+                <a:spcPct val="100000"/>
+              </a:lnSpc>
+              <a:spcBef>
+                <a:spcPts val="0"/>
+              </a:spcBef>
+              <a:spcAft>
+                <a:spcPts val="0"/>
+              </a:spcAft>
+              <a:buClr>
+                <a:srgbClr val="0DB7C4"/>
+              </a:buClr>
+              <a:buSzPts val="2400"/>
+              <a:buFont typeface="Source Sans Pro"/>
+              <a:buChar char="⬩"/>
+              <a:defRPr sz="2400" b="0" i="0" u="none" strike="noStrike" cap="none">
+                <a:solidFill>
+                  <a:srgbClr val="415665"/>
+                </a:solidFill>
+                <a:latin typeface="Source Sans Pro"/>
+                <a:ea typeface="Source Sans Pro"/>
+                <a:cs typeface="Source Sans Pro"/>
+                <a:sym typeface="Source Sans Pro"/>
+              </a:defRPr>
+            </a:lvl3pPr>
+            <a:lvl4pPr marL="1828800" marR="0" lvl="3" indent="-381000" algn="l" rtl="0">
+              <a:lnSpc>
+                <a:spcPct val="100000"/>
+              </a:lnSpc>
+              <a:spcBef>
+                <a:spcPts val="0"/>
+              </a:spcBef>
+              <a:spcAft>
+                <a:spcPts val="0"/>
+              </a:spcAft>
+              <a:buClr>
+                <a:srgbClr val="0DB7C4"/>
+              </a:buClr>
+              <a:buSzPts val="2400"/>
+              <a:buFont typeface="Source Sans Pro"/>
+              <a:buChar char="⬞"/>
+              <a:defRPr sz="2400" b="0" i="0" u="none" strike="noStrike" cap="none">
+                <a:solidFill>
+                  <a:srgbClr val="415665"/>
+                </a:solidFill>
+                <a:latin typeface="Source Sans Pro"/>
+                <a:ea typeface="Source Sans Pro"/>
+                <a:cs typeface="Source Sans Pro"/>
+                <a:sym typeface="Source Sans Pro"/>
+              </a:defRPr>
+            </a:lvl4pPr>
+            <a:lvl5pPr marL="2286000" marR="0" lvl="4" indent="-381000" algn="l" rtl="0">
+              <a:lnSpc>
+                <a:spcPct val="100000"/>
+              </a:lnSpc>
+              <a:spcBef>
+                <a:spcPts val="0"/>
+              </a:spcBef>
+              <a:spcAft>
+                <a:spcPts val="0"/>
+              </a:spcAft>
+              <a:buClr>
+                <a:srgbClr val="0DB7C4"/>
+              </a:buClr>
+              <a:buSzPts val="2400"/>
+              <a:buFont typeface="Source Sans Pro"/>
+              <a:buChar char="○"/>
+              <a:defRPr sz="2400" b="0" i="0" u="none" strike="noStrike" cap="none">
+                <a:solidFill>
+                  <a:srgbClr val="415665"/>
+                </a:solidFill>
+                <a:latin typeface="Source Sans Pro"/>
+                <a:ea typeface="Source Sans Pro"/>
+                <a:cs typeface="Source Sans Pro"/>
+                <a:sym typeface="Source Sans Pro"/>
+              </a:defRPr>
+            </a:lvl5pPr>
+            <a:lvl6pPr marL="2743200" marR="0" lvl="5" indent="-381000" algn="l" rtl="0">
+              <a:lnSpc>
+                <a:spcPct val="100000"/>
+              </a:lnSpc>
+              <a:spcBef>
+                <a:spcPts val="0"/>
+              </a:spcBef>
+              <a:spcAft>
+                <a:spcPts val="0"/>
+              </a:spcAft>
+              <a:buClr>
+                <a:srgbClr val="0DB7C4"/>
+              </a:buClr>
+              <a:buSzPts val="2400"/>
+              <a:buFont typeface="Source Sans Pro"/>
+              <a:buChar char="■"/>
+              <a:defRPr sz="2400" b="0" i="0" u="none" strike="noStrike" cap="none">
+                <a:solidFill>
+                  <a:srgbClr val="415665"/>
+                </a:solidFill>
+                <a:latin typeface="Source Sans Pro"/>
+                <a:ea typeface="Source Sans Pro"/>
+                <a:cs typeface="Source Sans Pro"/>
+                <a:sym typeface="Source Sans Pro"/>
+              </a:defRPr>
+            </a:lvl6pPr>
+            <a:lvl7pPr marL="3200400" marR="0" lvl="6" indent="-381000" algn="l" rtl="0">
+              <a:lnSpc>
+                <a:spcPct val="100000"/>
+              </a:lnSpc>
+              <a:spcBef>
+                <a:spcPts val="0"/>
+              </a:spcBef>
+              <a:spcAft>
+                <a:spcPts val="0"/>
+              </a:spcAft>
+              <a:buClr>
+                <a:srgbClr val="0DB7C4"/>
+              </a:buClr>
+              <a:buSzPts val="2400"/>
+              <a:buFont typeface="Source Sans Pro"/>
+              <a:buChar char="●"/>
+              <a:defRPr sz="2400" b="0" i="0" u="none" strike="noStrike" cap="none">
+                <a:solidFill>
+                  <a:srgbClr val="415665"/>
+                </a:solidFill>
+                <a:latin typeface="Source Sans Pro"/>
+                <a:ea typeface="Source Sans Pro"/>
+                <a:cs typeface="Source Sans Pro"/>
+                <a:sym typeface="Source Sans Pro"/>
+              </a:defRPr>
+            </a:lvl7pPr>
+            <a:lvl8pPr marL="3657600" marR="0" lvl="7" indent="-381000" algn="l" rtl="0">
+              <a:lnSpc>
+                <a:spcPct val="100000"/>
+              </a:lnSpc>
+              <a:spcBef>
+                <a:spcPts val="0"/>
+              </a:spcBef>
+              <a:spcAft>
+                <a:spcPts val="0"/>
+              </a:spcAft>
+              <a:buClr>
+                <a:srgbClr val="0DB7C4"/>
+              </a:buClr>
+              <a:buSzPts val="2400"/>
+              <a:buFont typeface="Source Sans Pro"/>
+              <a:buChar char="○"/>
+              <a:defRPr sz="2400" b="0" i="0" u="none" strike="noStrike" cap="none">
+                <a:solidFill>
+                  <a:srgbClr val="415665"/>
+                </a:solidFill>
+                <a:latin typeface="Source Sans Pro"/>
+                <a:ea typeface="Source Sans Pro"/>
+                <a:cs typeface="Source Sans Pro"/>
+                <a:sym typeface="Source Sans Pro"/>
+              </a:defRPr>
+            </a:lvl8pPr>
+            <a:lvl9pPr marL="4114800" marR="0" lvl="8" indent="-381000" algn="l" rtl="0">
+              <a:lnSpc>
+                <a:spcPct val="100000"/>
+              </a:lnSpc>
+              <a:spcBef>
+                <a:spcPts val="0"/>
+              </a:spcBef>
+              <a:spcAft>
+                <a:spcPts val="0"/>
+              </a:spcAft>
+              <a:buClr>
+                <a:srgbClr val="0DB7C4"/>
+              </a:buClr>
+              <a:buSzPts val="2400"/>
+              <a:buFont typeface="Source Sans Pro"/>
+              <a:buChar char="■"/>
+              <a:defRPr sz="2400" b="0" i="0" u="none" strike="noStrike" cap="none">
+                <a:solidFill>
+                  <a:srgbClr val="415665"/>
+                </a:solidFill>
+                <a:latin typeface="Source Sans Pro"/>
+                <a:ea typeface="Source Sans Pro"/>
+                <a:cs typeface="Source Sans Pro"/>
+                <a:sym typeface="Source Sans Pro"/>
+              </a:defRPr>
+            </a:lvl9pPr>
+          </a:lstStyle>
+          <a:p>
+            <a:pPr marL="76200" indent="0">
+              <a:spcBef>
+                <a:spcPts val="0"/>
+              </a:spcBef>
+              <a:buFont typeface="Source Sans Pro"/>
+              <a:buNone/>
+            </a:pPr>
+            <a:endParaRPr lang="en-US" sz="1800" dirty="0" smtClean="0"/>
+          </a:p>
+          <a:p>
+            <a:pPr>
+              <a:spcBef>
+                <a:spcPts val="0"/>
+              </a:spcBef>
+            </a:pPr>
+            <a:r>
+              <a:rPr lang="en-US" sz="1800" dirty="0" smtClean="0"/>
+              <a:t>A technician can look for raised warnings</a:t>
+            </a:r>
+            <a:endParaRPr lang="en-US" sz="1800" dirty="0" smtClean="0"/>
+          </a:p>
+          <a:p>
+            <a:pPr>
+              <a:spcBef>
+                <a:spcPts val="0"/>
+              </a:spcBef>
+            </a:pPr>
+            <a:endParaRPr lang="en-US" sz="1800" dirty="0"/>
+          </a:p>
+          <a:p>
+            <a:pPr>
+              <a:spcBef>
+                <a:spcPts val="0"/>
+              </a:spcBef>
+            </a:pPr>
+            <a:endParaRPr lang="en-US" sz="1800" dirty="0" smtClean="0"/>
+          </a:p>
+          <a:p>
+            <a:pPr>
+              <a:spcBef>
+                <a:spcPts val="0"/>
+              </a:spcBef>
+            </a:pPr>
+            <a:r>
+              <a:rPr lang="en-US" sz="1800" dirty="0" smtClean="0"/>
+              <a:t>Creation of a new Patient’s </a:t>
+            </a:r>
+            <a:r>
+              <a:rPr lang="en-US" sz="1800" dirty="0" smtClean="0"/>
+              <a:t>account</a:t>
+            </a:r>
+          </a:p>
+          <a:p>
+            <a:pPr>
+              <a:spcBef>
+                <a:spcPts val="0"/>
+              </a:spcBef>
+            </a:pPr>
+            <a:endParaRPr lang="en-US" sz="1800" dirty="0"/>
+          </a:p>
+          <a:p>
+            <a:pPr>
+              <a:spcBef>
+                <a:spcPts val="0"/>
+              </a:spcBef>
+            </a:pPr>
+            <a:endParaRPr lang="en-US" sz="1800" dirty="0" smtClean="0"/>
+          </a:p>
+          <a:p>
+            <a:pPr>
+              <a:spcBef>
+                <a:spcPts val="0"/>
+              </a:spcBef>
+            </a:pPr>
+            <a:endParaRPr lang="en-US" sz="1800" dirty="0"/>
+          </a:p>
+          <a:p>
+            <a:pPr>
+              <a:spcBef>
+                <a:spcPts val="0"/>
+              </a:spcBef>
+            </a:pPr>
+            <a:r>
+              <a:rPr lang="en-US" sz="1800" dirty="0" smtClean="0"/>
+              <a:t>Consistency setting</a:t>
+            </a:r>
+            <a:endParaRPr lang="en-US" sz="1800" dirty="0" smtClean="0"/>
+          </a:p>
+          <a:p>
+            <a:pPr>
+              <a:spcBef>
+                <a:spcPts val="0"/>
+              </a:spcBef>
+            </a:pPr>
+            <a:endParaRPr lang="en-US" sz="1800" dirty="0"/>
+          </a:p>
+          <a:p>
+            <a:pPr>
+              <a:spcBef>
+                <a:spcPts val="0"/>
+              </a:spcBef>
+            </a:pPr>
+            <a:endParaRPr lang="en-US" sz="1800" dirty="0" smtClean="0"/>
+          </a:p>
+          <a:p>
+            <a:pPr>
+              <a:spcBef>
+                <a:spcPts val="0"/>
+              </a:spcBef>
+            </a:pPr>
+            <a:endParaRPr lang="en-US" sz="1800" dirty="0" smtClean="0"/>
+          </a:p>
+          <a:p>
+            <a:pPr marL="0" indent="0">
+              <a:buFont typeface="Source Sans Pro"/>
+              <a:buNone/>
+            </a:pPr>
+            <a:endParaRPr lang="en-US" sz="1800" dirty="0"/>
+          </a:p>
+        </p:txBody>
+      </p:sp>
+      <p:sp>
+        <p:nvSpPr>
           <p:cNvPr id="2" name="Title 1"/>
           <p:cNvSpPr>
             <a:spLocks noGrp="1"/>
@@ -16117,384 +16565,9 @@
           </a:p>
         </p:txBody>
       </p:sp>
-      <p:sp>
-        <p:nvSpPr>
-          <p:cNvPr id="10" name="Shape 112"/>
-          <p:cNvSpPr txBox="1">
-            <a:spLocks/>
-          </p:cNvSpPr>
-          <p:nvPr/>
-        </p:nvSpPr>
-        <p:spPr>
-          <a:xfrm>
-            <a:off x="844424" y="1223437"/>
-            <a:ext cx="7959468" cy="3585955"/>
-          </a:xfrm>
-          <a:prstGeom prst="rect">
-            <a:avLst/>
-          </a:prstGeom>
-          <a:noFill/>
-          <a:ln>
-            <a:noFill/>
-          </a:ln>
-        </p:spPr>
-        <p:txBody>
-          <a:bodyPr spcFirstLastPara="1" wrap="square" lIns="91425" tIns="91425" rIns="91425" bIns="91425" anchor="t" anchorCtr="0">
-            <a:noAutofit/>
-          </a:bodyPr>
-          <a:lstStyle>
-            <a:defPPr marR="0" lvl="0" algn="l" rtl="0">
-              <a:lnSpc>
-                <a:spcPct val="100000"/>
-              </a:lnSpc>
-              <a:spcBef>
-                <a:spcPts val="0"/>
-              </a:spcBef>
-              <a:spcAft>
-                <a:spcPts val="0"/>
-              </a:spcAft>
-            </a:defPPr>
-            <a:lvl1pPr marL="457200" marR="0" lvl="0" indent="-381000" algn="l" rtl="0">
-              <a:lnSpc>
-                <a:spcPct val="100000"/>
-              </a:lnSpc>
-              <a:spcBef>
-                <a:spcPts val="600"/>
-              </a:spcBef>
-              <a:spcAft>
-                <a:spcPts val="0"/>
-              </a:spcAft>
-              <a:buClr>
-                <a:srgbClr val="0DB7C4"/>
-              </a:buClr>
-              <a:buSzPts val="2400"/>
-              <a:buFont typeface="Source Sans Pro"/>
-              <a:buChar char="▹"/>
-              <a:defRPr sz="2400" b="0" i="0" u="none" strike="noStrike" cap="none">
-                <a:solidFill>
-                  <a:srgbClr val="415665"/>
-                </a:solidFill>
-                <a:latin typeface="Source Sans Pro"/>
-                <a:ea typeface="Source Sans Pro"/>
-                <a:cs typeface="Source Sans Pro"/>
-                <a:sym typeface="Source Sans Pro"/>
-              </a:defRPr>
-            </a:lvl1pPr>
-            <a:lvl2pPr marL="914400" marR="0" lvl="1" indent="-381000" algn="l" rtl="0">
-              <a:lnSpc>
-                <a:spcPct val="100000"/>
-              </a:lnSpc>
-              <a:spcBef>
-                <a:spcPts val="0"/>
-              </a:spcBef>
-              <a:spcAft>
-                <a:spcPts val="0"/>
-              </a:spcAft>
-              <a:buClr>
-                <a:srgbClr val="0DB7C4"/>
-              </a:buClr>
-              <a:buSzPts val="2400"/>
-              <a:buFont typeface="Source Sans Pro"/>
-              <a:buChar char="▸"/>
-              <a:defRPr sz="2400" b="0" i="0" u="none" strike="noStrike" cap="none">
-                <a:solidFill>
-                  <a:srgbClr val="415665"/>
-                </a:solidFill>
-                <a:latin typeface="Source Sans Pro"/>
-                <a:ea typeface="Source Sans Pro"/>
-                <a:cs typeface="Source Sans Pro"/>
-                <a:sym typeface="Source Sans Pro"/>
-              </a:defRPr>
-            </a:lvl2pPr>
-            <a:lvl3pPr marL="1371600" marR="0" lvl="2" indent="-381000" algn="l" rtl="0">
-              <a:lnSpc>
-                <a:spcPct val="100000"/>
-              </a:lnSpc>
-              <a:spcBef>
-                <a:spcPts val="0"/>
-              </a:spcBef>
-              <a:spcAft>
-                <a:spcPts val="0"/>
-              </a:spcAft>
-              <a:buClr>
-                <a:srgbClr val="0DB7C4"/>
-              </a:buClr>
-              <a:buSzPts val="2400"/>
-              <a:buFont typeface="Source Sans Pro"/>
-              <a:buChar char="⬩"/>
-              <a:defRPr sz="2400" b="0" i="0" u="none" strike="noStrike" cap="none">
-                <a:solidFill>
-                  <a:srgbClr val="415665"/>
-                </a:solidFill>
-                <a:latin typeface="Source Sans Pro"/>
-                <a:ea typeface="Source Sans Pro"/>
-                <a:cs typeface="Source Sans Pro"/>
-                <a:sym typeface="Source Sans Pro"/>
-              </a:defRPr>
-            </a:lvl3pPr>
-            <a:lvl4pPr marL="1828800" marR="0" lvl="3" indent="-381000" algn="l" rtl="0">
-              <a:lnSpc>
-                <a:spcPct val="100000"/>
-              </a:lnSpc>
-              <a:spcBef>
-                <a:spcPts val="0"/>
-              </a:spcBef>
-              <a:spcAft>
-                <a:spcPts val="0"/>
-              </a:spcAft>
-              <a:buClr>
-                <a:srgbClr val="0DB7C4"/>
-              </a:buClr>
-              <a:buSzPts val="2400"/>
-              <a:buFont typeface="Source Sans Pro"/>
-              <a:buChar char="⬞"/>
-              <a:defRPr sz="2400" b="0" i="0" u="none" strike="noStrike" cap="none">
-                <a:solidFill>
-                  <a:srgbClr val="415665"/>
-                </a:solidFill>
-                <a:latin typeface="Source Sans Pro"/>
-                <a:ea typeface="Source Sans Pro"/>
-                <a:cs typeface="Source Sans Pro"/>
-                <a:sym typeface="Source Sans Pro"/>
-              </a:defRPr>
-            </a:lvl4pPr>
-            <a:lvl5pPr marL="2286000" marR="0" lvl="4" indent="-381000" algn="l" rtl="0">
-              <a:lnSpc>
-                <a:spcPct val="100000"/>
-              </a:lnSpc>
-              <a:spcBef>
-                <a:spcPts val="0"/>
-              </a:spcBef>
-              <a:spcAft>
-                <a:spcPts val="0"/>
-              </a:spcAft>
-              <a:buClr>
-                <a:srgbClr val="0DB7C4"/>
-              </a:buClr>
-              <a:buSzPts val="2400"/>
-              <a:buFont typeface="Source Sans Pro"/>
-              <a:buChar char="○"/>
-              <a:defRPr sz="2400" b="0" i="0" u="none" strike="noStrike" cap="none">
-                <a:solidFill>
-                  <a:srgbClr val="415665"/>
-                </a:solidFill>
-                <a:latin typeface="Source Sans Pro"/>
-                <a:ea typeface="Source Sans Pro"/>
-                <a:cs typeface="Source Sans Pro"/>
-                <a:sym typeface="Source Sans Pro"/>
-              </a:defRPr>
-            </a:lvl5pPr>
-            <a:lvl6pPr marL="2743200" marR="0" lvl="5" indent="-381000" algn="l" rtl="0">
-              <a:lnSpc>
-                <a:spcPct val="100000"/>
-              </a:lnSpc>
-              <a:spcBef>
-                <a:spcPts val="0"/>
-              </a:spcBef>
-              <a:spcAft>
-                <a:spcPts val="0"/>
-              </a:spcAft>
-              <a:buClr>
-                <a:srgbClr val="0DB7C4"/>
-              </a:buClr>
-              <a:buSzPts val="2400"/>
-              <a:buFont typeface="Source Sans Pro"/>
-              <a:buChar char="■"/>
-              <a:defRPr sz="2400" b="0" i="0" u="none" strike="noStrike" cap="none">
-                <a:solidFill>
-                  <a:srgbClr val="415665"/>
-                </a:solidFill>
-                <a:latin typeface="Source Sans Pro"/>
-                <a:ea typeface="Source Sans Pro"/>
-                <a:cs typeface="Source Sans Pro"/>
-                <a:sym typeface="Source Sans Pro"/>
-              </a:defRPr>
-            </a:lvl6pPr>
-            <a:lvl7pPr marL="3200400" marR="0" lvl="6" indent="-381000" algn="l" rtl="0">
-              <a:lnSpc>
-                <a:spcPct val="100000"/>
-              </a:lnSpc>
-              <a:spcBef>
-                <a:spcPts val="0"/>
-              </a:spcBef>
-              <a:spcAft>
-                <a:spcPts val="0"/>
-              </a:spcAft>
-              <a:buClr>
-                <a:srgbClr val="0DB7C4"/>
-              </a:buClr>
-              <a:buSzPts val="2400"/>
-              <a:buFont typeface="Source Sans Pro"/>
-              <a:buChar char="●"/>
-              <a:defRPr sz="2400" b="0" i="0" u="none" strike="noStrike" cap="none">
-                <a:solidFill>
-                  <a:srgbClr val="415665"/>
-                </a:solidFill>
-                <a:latin typeface="Source Sans Pro"/>
-                <a:ea typeface="Source Sans Pro"/>
-                <a:cs typeface="Source Sans Pro"/>
-                <a:sym typeface="Source Sans Pro"/>
-              </a:defRPr>
-            </a:lvl7pPr>
-            <a:lvl8pPr marL="3657600" marR="0" lvl="7" indent="-381000" algn="l" rtl="0">
-              <a:lnSpc>
-                <a:spcPct val="100000"/>
-              </a:lnSpc>
-              <a:spcBef>
-                <a:spcPts val="0"/>
-              </a:spcBef>
-              <a:spcAft>
-                <a:spcPts val="0"/>
-              </a:spcAft>
-              <a:buClr>
-                <a:srgbClr val="0DB7C4"/>
-              </a:buClr>
-              <a:buSzPts val="2400"/>
-              <a:buFont typeface="Source Sans Pro"/>
-              <a:buChar char="○"/>
-              <a:defRPr sz="2400" b="0" i="0" u="none" strike="noStrike" cap="none">
-                <a:solidFill>
-                  <a:srgbClr val="415665"/>
-                </a:solidFill>
-                <a:latin typeface="Source Sans Pro"/>
-                <a:ea typeface="Source Sans Pro"/>
-                <a:cs typeface="Source Sans Pro"/>
-                <a:sym typeface="Source Sans Pro"/>
-              </a:defRPr>
-            </a:lvl8pPr>
-            <a:lvl9pPr marL="4114800" marR="0" lvl="8" indent="-381000" algn="l" rtl="0">
-              <a:lnSpc>
-                <a:spcPct val="100000"/>
-              </a:lnSpc>
-              <a:spcBef>
-                <a:spcPts val="0"/>
-              </a:spcBef>
-              <a:spcAft>
-                <a:spcPts val="0"/>
-              </a:spcAft>
-              <a:buClr>
-                <a:srgbClr val="0DB7C4"/>
-              </a:buClr>
-              <a:buSzPts val="2400"/>
-              <a:buFont typeface="Source Sans Pro"/>
-              <a:buChar char="■"/>
-              <a:defRPr sz="2400" b="0" i="0" u="none" strike="noStrike" cap="none">
-                <a:solidFill>
-                  <a:srgbClr val="415665"/>
-                </a:solidFill>
-                <a:latin typeface="Source Sans Pro"/>
-                <a:ea typeface="Source Sans Pro"/>
-                <a:cs typeface="Source Sans Pro"/>
-                <a:sym typeface="Source Sans Pro"/>
-              </a:defRPr>
-            </a:lvl9pPr>
-          </a:lstStyle>
-          <a:p>
-            <a:pPr marL="76200" indent="0">
-              <a:spcBef>
-                <a:spcPts val="0"/>
-              </a:spcBef>
-              <a:buFont typeface="Source Sans Pro"/>
-              <a:buNone/>
-            </a:pPr>
-            <a:endParaRPr lang="en-US" sz="1800" dirty="0" smtClean="0"/>
-          </a:p>
-          <a:p>
-            <a:pPr>
-              <a:spcBef>
-                <a:spcPts val="0"/>
-              </a:spcBef>
-            </a:pPr>
-            <a:r>
-              <a:rPr lang="en-US" sz="1800" dirty="0" smtClean="0"/>
-              <a:t>Warnings generation by ‘</a:t>
-            </a:r>
-            <a:r>
-              <a:rPr lang="en-US" sz="1800" dirty="0" err="1" smtClean="0"/>
-              <a:t>WarningDaemon</a:t>
-            </a:r>
-            <a:r>
-              <a:rPr lang="en-US" sz="1800" dirty="0" smtClean="0"/>
-              <a:t>’</a:t>
-            </a:r>
-          </a:p>
-          <a:p>
-            <a:pPr>
-              <a:spcBef>
-                <a:spcPts val="0"/>
-              </a:spcBef>
-            </a:pPr>
-            <a:endParaRPr lang="en-US" sz="1800" dirty="0" smtClean="0"/>
-          </a:p>
-          <a:p>
-            <a:pPr marL="76200" indent="0">
-              <a:spcBef>
-                <a:spcPts val="0"/>
-              </a:spcBef>
-              <a:buNone/>
-            </a:pPr>
-            <a:endParaRPr lang="en-US" sz="1800" dirty="0" smtClean="0"/>
-          </a:p>
-          <a:p>
-            <a:pPr>
-              <a:spcBef>
-                <a:spcPts val="0"/>
-              </a:spcBef>
-            </a:pPr>
-            <a:endParaRPr lang="en-US" sz="1800" dirty="0" smtClean="0"/>
-          </a:p>
-          <a:p>
-            <a:pPr>
-              <a:spcBef>
-                <a:spcPts val="0"/>
-              </a:spcBef>
-            </a:pPr>
-            <a:r>
-              <a:rPr lang="en-US" sz="1800" dirty="0" smtClean="0"/>
-              <a:t>Creation of a new Patient’s </a:t>
-            </a:r>
-            <a:r>
-              <a:rPr lang="en-US" sz="1800" dirty="0" smtClean="0"/>
-              <a:t>account</a:t>
-            </a:r>
-            <a:endParaRPr lang="en-US" sz="1800" dirty="0" smtClean="0"/>
-          </a:p>
-          <a:p>
-            <a:pPr>
-              <a:spcBef>
-                <a:spcPts val="0"/>
-              </a:spcBef>
-            </a:pPr>
-            <a:endParaRPr lang="en-US" sz="1800" dirty="0"/>
-          </a:p>
-          <a:p>
-            <a:pPr>
-              <a:spcBef>
-                <a:spcPts val="0"/>
-              </a:spcBef>
-            </a:pPr>
-            <a:endParaRPr lang="en-US" sz="1800" dirty="0" smtClean="0"/>
-          </a:p>
-          <a:p>
-            <a:pPr>
-              <a:spcBef>
-                <a:spcPts val="0"/>
-              </a:spcBef>
-            </a:pPr>
-            <a:endParaRPr lang="en-US" sz="1800" dirty="0" smtClean="0"/>
-          </a:p>
-          <a:p>
-            <a:pPr marL="0" indent="0">
-              <a:buFont typeface="Source Sans Pro"/>
-              <a:buNone/>
-            </a:pPr>
-            <a:endParaRPr lang="en-US" sz="1800" dirty="0"/>
-          </a:p>
-        </p:txBody>
-      </p:sp>
       <p:pic>
         <p:nvPicPr>
-          <p:cNvPr id="11" name="Picture 10"/>
+          <p:cNvPr id="13" name="Picture 12"/>
           <p:cNvPicPr>
             <a:picLocks noChangeAspect="1"/>
           </p:cNvPicPr>
@@ -16514,8 +16587,8 @@
         </p:blipFill>
         <p:spPr>
           <a:xfrm>
-            <a:off x="1231286" y="1898423"/>
-            <a:ext cx="7664679" cy="517769"/>
+            <a:off x="1345223" y="2373264"/>
+            <a:ext cx="7550742" cy="508925"/>
           </a:xfrm>
           <a:prstGeom prst="rect">
             <a:avLst/>
@@ -16524,7 +16597,7 @@
       </p:pic>
       <p:pic>
         <p:nvPicPr>
-          <p:cNvPr id="13" name="Picture 12"/>
+          <p:cNvPr id="3" name="Picture 2"/>
           <p:cNvPicPr>
             <a:picLocks noChangeAspect="1"/>
           </p:cNvPicPr>
@@ -16544,8 +16617,38 @@
         </p:blipFill>
         <p:spPr>
           <a:xfrm>
-            <a:off x="1345223" y="3091178"/>
-            <a:ext cx="7550742" cy="508925"/>
+            <a:off x="1345223" y="1489018"/>
+            <a:ext cx="7341109" cy="419100"/>
+          </a:xfrm>
+          <a:prstGeom prst="rect">
+            <a:avLst/>
+          </a:prstGeom>
+        </p:spPr>
+      </p:pic>
+      <p:pic>
+        <p:nvPicPr>
+          <p:cNvPr id="11" name="Picture 10"/>
+          <p:cNvPicPr>
+            <a:picLocks noChangeAspect="1"/>
+          </p:cNvPicPr>
+          <p:nvPr/>
+        </p:nvPicPr>
+        <p:blipFill>
+          <a:blip r:embed="rId4">
+            <a:extLst>
+              <a:ext uri="{28A0092B-C50C-407E-A947-70E740481C1C}">
+                <a14:useLocalDpi xmlns:a14="http://schemas.microsoft.com/office/drawing/2010/main" val="0"/>
+              </a:ext>
+            </a:extLst>
+          </a:blip>
+          <a:stretch>
+            <a:fillRect/>
+          </a:stretch>
+        </p:blipFill>
+        <p:spPr>
+          <a:xfrm>
+            <a:off x="1345223" y="3486923"/>
+            <a:ext cx="3225800" cy="825500"/>
           </a:xfrm>
           <a:prstGeom prst="rect">
             <a:avLst/>
@@ -16555,7 +16658,7 @@
     </p:spTree>
     <p:extLst>
       <p:ext uri="{BB962C8B-B14F-4D97-AF65-F5344CB8AC3E}">
-        <p14:creationId xmlns:p14="http://schemas.microsoft.com/office/powerpoint/2010/main" val="1836348861"/>
+        <p14:creationId xmlns:p14="http://schemas.microsoft.com/office/powerpoint/2010/main" val="1847541661"/>
       </p:ext>
     </p:extLst>
   </p:cSld>
